--- a/Examples/Data/Charts/SetCategoryAxisLabelDistance_out.pptx
+++ b/Examples/Data/Charts/SetCategoryAxisLabelDistance_out.pptx
@@ -1,6 +1,6 @@
 
 <file path=ppt/presentation.xml><?xml version="1.0" encoding="utf-8"?>
-<!--Generated by Aspose.Slides for .NET 19.6-->
+<!--Generated by Aspose.Slides for .NET 21.12-->
 <p:presentation xmlns:r="http://schemas.openxmlformats.org/officeDocument/2006/relationships" xmlns:a="http://schemas.openxmlformats.org/drawingml/2006/main" xmlns:p="http://schemas.openxmlformats.org/presentationml/2006/main" saveSubsetFonts="1">
   <p:sldMasterIdLst>
     <p:sldMasterId id="2147483648" r:id="rId1"/>
@@ -112,7 +112,7 @@
 </file>
 
 <file path=ppt/charts/chart1.xml><?xml version="1.0" encoding="utf-8"?>
-<c:chartSpace xmlns:a="http://schemas.openxmlformats.org/drawingml/2006/main" xmlns:r="http://schemas.openxmlformats.org/officeDocument/2006/relationships" xmlns:c="http://schemas.openxmlformats.org/drawingml/2006/chart">
+<c:chartSpace xmlns:a="http://schemas.openxmlformats.org/drawingml/2006/main" xmlns:r="http://schemas.openxmlformats.org/officeDocument/2006/relationships" xmlns:m="http://schemas.openxmlformats.org/officeDocument/2006/math" xmlns:w="http://schemas.openxmlformats.org/wordprocessingml/2006/main" xmlns:wp="http://schemas.openxmlformats.org/drawingml/2006/wordprocessingDrawing" xmlns:a14="http://schemas.microsoft.com/office/drawing/2010/main" xmlns:c="http://schemas.openxmlformats.org/drawingml/2006/chart">
   <c:date1904 val="0"/>
   <c:lang val="ru-RU"/>
   <c:roundedCorners val="0"/>
@@ -370,11 +370,11 @@
 </file>
 
 <file path=ppt/slideLayouts/slideLayout1.xml><?xml version="1.0" encoding="utf-8"?>
-<p:sldLayout xmlns:a="http://schemas.openxmlformats.org/drawingml/2006/main" xmlns:r="http://schemas.openxmlformats.org/officeDocument/2006/relationships" xmlns:p14="http://schemas.microsoft.com/office/powerpoint/2010/main" xmlns:a14="http://schemas.microsoft.com/office/drawing/2010/main" xmlns:p15="http://schemas.microsoft.com/office/powerpoint/2012/main" xmlns:p159="http://schemas.microsoft.com/office/powerpoint/2015/09/main" xmlns:p="http://schemas.openxmlformats.org/presentationml/2006/main" type="title" preserve="1">
+<p:sldLayout xmlns:a="http://schemas.openxmlformats.org/drawingml/2006/main" xmlns:r="http://schemas.openxmlformats.org/officeDocument/2006/relationships" xmlns:m="http://schemas.openxmlformats.org/officeDocument/2006/math" xmlns:w="http://schemas.openxmlformats.org/wordprocessingml/2006/main" xmlns:wp="http://schemas.openxmlformats.org/drawingml/2006/wordprocessingDrawing" xmlns:a14="http://schemas.microsoft.com/office/drawing/2010/main" xmlns:mc="http://schemas.openxmlformats.org/markup-compatibility/2006" xmlns:p14="http://schemas.microsoft.com/office/powerpoint/2010/main" xmlns:p15="http://schemas.microsoft.com/office/powerpoint/2012/main" xmlns:p159="http://schemas.microsoft.com/office/powerpoint/2015/09/main" xmlns:p="http://schemas.openxmlformats.org/presentationml/2006/main" type="title" preserve="1">
   <p:cSld name="Title Slide">
     <p:spTree>
       <p:nvGrpSpPr>
-        <p:cNvPr id="1" name=""/>
+        <p:cNvPr id="1" name="" title=""/>
         <p:cNvGrpSpPr/>
         <p:nvPr/>
       </p:nvGrpSpPr>
@@ -386,7 +386,7 @@
       </p:grpSpPr>
       <p:sp>
         <p:nvSpPr>
-          <p:cNvPr id="2" name="Title 1"/>
+          <p:cNvPr id="2" name="Title 1" title=""/>
           <p:cNvSpPr>
             <a:spLocks noGrp="1"/>
           </p:cNvSpPr>
@@ -409,7 +409,7 @@
       </p:sp>
       <p:sp>
         <p:nvSpPr>
-          <p:cNvPr id="3" name="Subtitle 2"/>
+          <p:cNvPr id="3" name="Subtitle 2" title=""/>
           <p:cNvSpPr>
             <a:spLocks noGrp="1"/>
           </p:cNvSpPr>
@@ -523,7 +523,7 @@
       </p:sp>
       <p:sp>
         <p:nvSpPr>
-          <p:cNvPr id="4" name="Date Placeholder 3"/>
+          <p:cNvPr id="4" name="Date Placeholder 3" title=""/>
           <p:cNvSpPr>
             <a:spLocks noGrp="1"/>
           </p:cNvSpPr>
@@ -536,7 +536,7 @@
           <a:bodyPr/>
           <a:lstStyle/>
           <a:p>
-            <a:fld id="{56657224-995D-4146-AD82-BB64B0A27106}" type="datetimeFigureOut">
+            <a:fld id="{D826C21C-3CFC-49C3-BE86-65CB8F887D85}" type="datetimeFigureOut">
               <a:rPr lang="en-US" smtClean="0"/>
               <a:t>11/7/2009</a:t>
             </a:fld>
@@ -546,7 +546,7 @@
       </p:sp>
       <p:sp>
         <p:nvSpPr>
-          <p:cNvPr id="5" name="Footer Placeholder 4"/>
+          <p:cNvPr id="5" name="Footer Placeholder 4" title=""/>
           <p:cNvSpPr>
             <a:spLocks noGrp="1"/>
           </p:cNvSpPr>
@@ -565,7 +565,7 @@
       </p:sp>
       <p:sp>
         <p:nvSpPr>
-          <p:cNvPr id="6" name="Slide Number Placeholder 5"/>
+          <p:cNvPr id="6" name="Slide Number Placeholder 5" title=""/>
           <p:cNvSpPr>
             <a:spLocks noGrp="1"/>
           </p:cNvSpPr>
@@ -597,11 +597,11 @@
 </file>
 
 <file path=ppt/slideLayouts/slideLayout10.xml><?xml version="1.0" encoding="utf-8"?>
-<p:sldLayout xmlns:a="http://schemas.openxmlformats.org/drawingml/2006/main" xmlns:r="http://schemas.openxmlformats.org/officeDocument/2006/relationships" xmlns:p14="http://schemas.microsoft.com/office/powerpoint/2010/main" xmlns:a14="http://schemas.microsoft.com/office/drawing/2010/main" xmlns:p15="http://schemas.microsoft.com/office/powerpoint/2012/main" xmlns:p159="http://schemas.microsoft.com/office/powerpoint/2015/09/main" xmlns:p="http://schemas.openxmlformats.org/presentationml/2006/main" type="vertTx" preserve="1">
+<p:sldLayout xmlns:a="http://schemas.openxmlformats.org/drawingml/2006/main" xmlns:r="http://schemas.openxmlformats.org/officeDocument/2006/relationships" xmlns:m="http://schemas.openxmlformats.org/officeDocument/2006/math" xmlns:w="http://schemas.openxmlformats.org/wordprocessingml/2006/main" xmlns:wp="http://schemas.openxmlformats.org/drawingml/2006/wordprocessingDrawing" xmlns:a14="http://schemas.microsoft.com/office/drawing/2010/main" xmlns:mc="http://schemas.openxmlformats.org/markup-compatibility/2006" xmlns:p14="http://schemas.microsoft.com/office/powerpoint/2010/main" xmlns:p15="http://schemas.microsoft.com/office/powerpoint/2012/main" xmlns:p159="http://schemas.microsoft.com/office/powerpoint/2015/09/main" xmlns:p="http://schemas.openxmlformats.org/presentationml/2006/main" type="vertTx" preserve="1">
   <p:cSld name="Title and Vertical Text">
     <p:spTree>
       <p:nvGrpSpPr>
-        <p:cNvPr id="1" name=""/>
+        <p:cNvPr id="1" name="" title=""/>
         <p:cNvGrpSpPr/>
         <p:nvPr/>
       </p:nvGrpSpPr>
@@ -613,7 +613,7 @@
       </p:grpSpPr>
       <p:sp>
         <p:nvSpPr>
-          <p:cNvPr id="2" name="Title 1"/>
+          <p:cNvPr id="2" name="Title 1" title=""/>
           <p:cNvSpPr>
             <a:spLocks noGrp="1"/>
           </p:cNvSpPr>
@@ -636,7 +636,7 @@
       </p:sp>
       <p:sp>
         <p:nvSpPr>
-          <p:cNvPr id="3" name="Vertical Text Placeholder 2"/>
+          <p:cNvPr id="3" name="Vertical Text Placeholder 2" title=""/>
           <p:cNvSpPr>
             <a:spLocks noGrp="1"/>
           </p:cNvSpPr>
@@ -687,7 +687,7 @@
       </p:sp>
       <p:sp>
         <p:nvSpPr>
-          <p:cNvPr id="4" name="Date Placeholder 3"/>
+          <p:cNvPr id="4" name="Date Placeholder 3" title=""/>
           <p:cNvSpPr>
             <a:spLocks noGrp="1"/>
           </p:cNvSpPr>
@@ -700,7 +700,7 @@
           <a:bodyPr/>
           <a:lstStyle/>
           <a:p>
-            <a:fld id="{A5077ECE-46FF-4B55-81E5-8138FD5EF0D8}" type="datetimeFigureOut">
+            <a:fld id="{533FDF95-8E7A-4D5A-90AE-DD364E116C54}" type="datetimeFigureOut">
               <a:rPr lang="en-US" smtClean="0"/>
               <a:t>11/7/2009</a:t>
             </a:fld>
@@ -710,7 +710,7 @@
       </p:sp>
       <p:sp>
         <p:nvSpPr>
-          <p:cNvPr id="5" name="Footer Placeholder 4"/>
+          <p:cNvPr id="5" name="Footer Placeholder 4" title=""/>
           <p:cNvSpPr>
             <a:spLocks noGrp="1"/>
           </p:cNvSpPr>
@@ -729,7 +729,7 @@
       </p:sp>
       <p:sp>
         <p:nvSpPr>
-          <p:cNvPr id="6" name="Slide Number Placeholder 5"/>
+          <p:cNvPr id="6" name="Slide Number Placeholder 5" title=""/>
           <p:cNvSpPr>
             <a:spLocks noGrp="1"/>
           </p:cNvSpPr>
@@ -761,11 +761,11 @@
 </file>
 
 <file path=ppt/slideLayouts/slideLayout11.xml><?xml version="1.0" encoding="utf-8"?>
-<p:sldLayout xmlns:a="http://schemas.openxmlformats.org/drawingml/2006/main" xmlns:r="http://schemas.openxmlformats.org/officeDocument/2006/relationships" xmlns:p14="http://schemas.microsoft.com/office/powerpoint/2010/main" xmlns:a14="http://schemas.microsoft.com/office/drawing/2010/main" xmlns:p15="http://schemas.microsoft.com/office/powerpoint/2012/main" xmlns:p159="http://schemas.microsoft.com/office/powerpoint/2015/09/main" xmlns:p="http://schemas.openxmlformats.org/presentationml/2006/main" type="vertTitleAndTx" preserve="1">
+<p:sldLayout xmlns:a="http://schemas.openxmlformats.org/drawingml/2006/main" xmlns:r="http://schemas.openxmlformats.org/officeDocument/2006/relationships" xmlns:m="http://schemas.openxmlformats.org/officeDocument/2006/math" xmlns:w="http://schemas.openxmlformats.org/wordprocessingml/2006/main" xmlns:wp="http://schemas.openxmlformats.org/drawingml/2006/wordprocessingDrawing" xmlns:a14="http://schemas.microsoft.com/office/drawing/2010/main" xmlns:mc="http://schemas.openxmlformats.org/markup-compatibility/2006" xmlns:p14="http://schemas.microsoft.com/office/powerpoint/2010/main" xmlns:p15="http://schemas.microsoft.com/office/powerpoint/2012/main" xmlns:p159="http://schemas.microsoft.com/office/powerpoint/2015/09/main" xmlns:p="http://schemas.openxmlformats.org/presentationml/2006/main" type="vertTitleAndTx" preserve="1">
   <p:cSld name="Vertical Title and Text">
     <p:spTree>
       <p:nvGrpSpPr>
-        <p:cNvPr id="1" name=""/>
+        <p:cNvPr id="1" name="" title=""/>
         <p:cNvGrpSpPr/>
         <p:nvPr/>
       </p:nvGrpSpPr>
@@ -777,7 +777,7 @@
       </p:grpSpPr>
       <p:sp>
         <p:nvSpPr>
-          <p:cNvPr id="2" name="Vertical Title 1"/>
+          <p:cNvPr id="2" name="Vertical Title 1" title=""/>
           <p:cNvSpPr>
             <a:spLocks noGrp="1"/>
           </p:cNvSpPr>
@@ -800,7 +800,7 @@
       </p:sp>
       <p:sp>
         <p:nvSpPr>
-          <p:cNvPr id="3" name="Vertical Text Placeholder 2"/>
+          <p:cNvPr id="3" name="Vertical Text Placeholder 2" title=""/>
           <p:cNvSpPr>
             <a:spLocks noGrp="1"/>
           </p:cNvSpPr>
@@ -851,7 +851,7 @@
       </p:sp>
       <p:sp>
         <p:nvSpPr>
-          <p:cNvPr id="4" name="Date Placeholder 3"/>
+          <p:cNvPr id="4" name="Date Placeholder 3" title=""/>
           <p:cNvSpPr>
             <a:spLocks noGrp="1"/>
           </p:cNvSpPr>
@@ -864,7 +864,7 @@
           <a:bodyPr/>
           <a:lstStyle/>
           <a:p>
-            <a:fld id="{965598BE-F7C5-495A-AA81-FFDBEF64E06E}" type="datetimeFigureOut">
+            <a:fld id="{54E835C0-B472-4948-927D-F3C13D8BA71B}" type="datetimeFigureOut">
               <a:rPr lang="en-US" smtClean="0"/>
               <a:t>11/7/2009</a:t>
             </a:fld>
@@ -874,7 +874,7 @@
       </p:sp>
       <p:sp>
         <p:nvSpPr>
-          <p:cNvPr id="5" name="Footer Placeholder 4"/>
+          <p:cNvPr id="5" name="Footer Placeholder 4" title=""/>
           <p:cNvSpPr>
             <a:spLocks noGrp="1"/>
           </p:cNvSpPr>
@@ -893,7 +893,7 @@
       </p:sp>
       <p:sp>
         <p:nvSpPr>
-          <p:cNvPr id="6" name="Slide Number Placeholder 5"/>
+          <p:cNvPr id="6" name="Slide Number Placeholder 5" title=""/>
           <p:cNvSpPr>
             <a:spLocks noGrp="1"/>
           </p:cNvSpPr>
@@ -925,11 +925,11 @@
 </file>
 
 <file path=ppt/slideLayouts/slideLayout2.xml><?xml version="1.0" encoding="utf-8"?>
-<p:sldLayout xmlns:a="http://schemas.openxmlformats.org/drawingml/2006/main" xmlns:r="http://schemas.openxmlformats.org/officeDocument/2006/relationships" xmlns:p14="http://schemas.microsoft.com/office/powerpoint/2010/main" xmlns:a14="http://schemas.microsoft.com/office/drawing/2010/main" xmlns:p15="http://schemas.microsoft.com/office/powerpoint/2012/main" xmlns:p159="http://schemas.microsoft.com/office/powerpoint/2015/09/main" xmlns:p="http://schemas.openxmlformats.org/presentationml/2006/main" type="obj" preserve="1">
+<p:sldLayout xmlns:a="http://schemas.openxmlformats.org/drawingml/2006/main" xmlns:r="http://schemas.openxmlformats.org/officeDocument/2006/relationships" xmlns:m="http://schemas.openxmlformats.org/officeDocument/2006/math" xmlns:w="http://schemas.openxmlformats.org/wordprocessingml/2006/main" xmlns:wp="http://schemas.openxmlformats.org/drawingml/2006/wordprocessingDrawing" xmlns:a14="http://schemas.microsoft.com/office/drawing/2010/main" xmlns:mc="http://schemas.openxmlformats.org/markup-compatibility/2006" xmlns:p14="http://schemas.microsoft.com/office/powerpoint/2010/main" xmlns:p15="http://schemas.microsoft.com/office/powerpoint/2012/main" xmlns:p159="http://schemas.microsoft.com/office/powerpoint/2015/09/main" xmlns:p="http://schemas.openxmlformats.org/presentationml/2006/main" type="obj" preserve="1">
   <p:cSld name="Title and Content">
     <p:spTree>
       <p:nvGrpSpPr>
-        <p:cNvPr id="1" name=""/>
+        <p:cNvPr id="1" name="" title=""/>
         <p:cNvGrpSpPr/>
         <p:nvPr/>
       </p:nvGrpSpPr>
@@ -941,7 +941,7 @@
       </p:grpSpPr>
       <p:sp>
         <p:nvSpPr>
-          <p:cNvPr id="2" name="Title 1"/>
+          <p:cNvPr id="2" name="Title 1" title=""/>
           <p:cNvSpPr>
             <a:spLocks noGrp="1"/>
           </p:cNvSpPr>
@@ -964,7 +964,7 @@
       </p:sp>
       <p:sp>
         <p:nvSpPr>
-          <p:cNvPr id="3" name="Content Placeholder 2"/>
+          <p:cNvPr id="3" name="Content Placeholder 2" title=""/>
           <p:cNvSpPr>
             <a:spLocks noGrp="1"/>
           </p:cNvSpPr>
@@ -1015,7 +1015,7 @@
       </p:sp>
       <p:sp>
         <p:nvSpPr>
-          <p:cNvPr id="4" name="Date Placeholder 3"/>
+          <p:cNvPr id="4" name="Date Placeholder 3" title=""/>
           <p:cNvSpPr>
             <a:spLocks noGrp="1"/>
           </p:cNvSpPr>
@@ -1028,7 +1028,7 @@
           <a:bodyPr/>
           <a:lstStyle/>
           <a:p>
-            <a:fld id="{716F6C7F-C3A6-47B3-8FCF-4E855EB7B79B}" type="datetimeFigureOut">
+            <a:fld id="{200BDAFA-37EF-4ED1-9B3A-A4E0C32017AB}" type="datetimeFigureOut">
               <a:rPr lang="en-US" smtClean="0"/>
               <a:t>11/7/2009</a:t>
             </a:fld>
@@ -1038,7 +1038,7 @@
       </p:sp>
       <p:sp>
         <p:nvSpPr>
-          <p:cNvPr id="5" name="Footer Placeholder 4"/>
+          <p:cNvPr id="5" name="Footer Placeholder 4" title=""/>
           <p:cNvSpPr>
             <a:spLocks noGrp="1"/>
           </p:cNvSpPr>
@@ -1057,7 +1057,7 @@
       </p:sp>
       <p:sp>
         <p:nvSpPr>
-          <p:cNvPr id="6" name="Slide Number Placeholder 5"/>
+          <p:cNvPr id="6" name="Slide Number Placeholder 5" title=""/>
           <p:cNvSpPr>
             <a:spLocks noGrp="1"/>
           </p:cNvSpPr>
@@ -1089,11 +1089,11 @@
 </file>
 
 <file path=ppt/slideLayouts/slideLayout3.xml><?xml version="1.0" encoding="utf-8"?>
-<p:sldLayout xmlns:a="http://schemas.openxmlformats.org/drawingml/2006/main" xmlns:r="http://schemas.openxmlformats.org/officeDocument/2006/relationships" xmlns:p14="http://schemas.microsoft.com/office/powerpoint/2010/main" xmlns:a14="http://schemas.microsoft.com/office/drawing/2010/main" xmlns:p15="http://schemas.microsoft.com/office/powerpoint/2012/main" xmlns:p159="http://schemas.microsoft.com/office/powerpoint/2015/09/main" xmlns:p="http://schemas.openxmlformats.org/presentationml/2006/main" type="secHead" preserve="1">
+<p:sldLayout xmlns:a="http://schemas.openxmlformats.org/drawingml/2006/main" xmlns:r="http://schemas.openxmlformats.org/officeDocument/2006/relationships" xmlns:m="http://schemas.openxmlformats.org/officeDocument/2006/math" xmlns:w="http://schemas.openxmlformats.org/wordprocessingml/2006/main" xmlns:wp="http://schemas.openxmlformats.org/drawingml/2006/wordprocessingDrawing" xmlns:a14="http://schemas.microsoft.com/office/drawing/2010/main" xmlns:mc="http://schemas.openxmlformats.org/markup-compatibility/2006" xmlns:p14="http://schemas.microsoft.com/office/powerpoint/2010/main" xmlns:p15="http://schemas.microsoft.com/office/powerpoint/2012/main" xmlns:p159="http://schemas.microsoft.com/office/powerpoint/2015/09/main" xmlns:p="http://schemas.openxmlformats.org/presentationml/2006/main" type="secHead" preserve="1">
   <p:cSld name="Section Header">
     <p:spTree>
       <p:nvGrpSpPr>
-        <p:cNvPr id="1" name=""/>
+        <p:cNvPr id="1" name="" title=""/>
         <p:cNvGrpSpPr/>
         <p:nvPr/>
       </p:nvGrpSpPr>
@@ -1105,7 +1105,7 @@
       </p:grpSpPr>
       <p:sp>
         <p:nvSpPr>
-          <p:cNvPr id="2" name="Title 1"/>
+          <p:cNvPr id="2" name="Title 1" title=""/>
           <p:cNvSpPr>
             <a:spLocks noGrp="1"/>
           </p:cNvSpPr>
@@ -1132,7 +1132,7 @@
       </p:sp>
       <p:sp>
         <p:nvSpPr>
-          <p:cNvPr id="3" name="Text Placeholder 2"/>
+          <p:cNvPr id="3" name="Text Placeholder 2" title=""/>
           <p:cNvSpPr>
             <a:spLocks noGrp="1"/>
           </p:cNvSpPr>
@@ -1245,7 +1245,7 @@
       </p:sp>
       <p:sp>
         <p:nvSpPr>
-          <p:cNvPr id="4" name="Date Placeholder 3"/>
+          <p:cNvPr id="4" name="Date Placeholder 3" title=""/>
           <p:cNvSpPr>
             <a:spLocks noGrp="1"/>
           </p:cNvSpPr>
@@ -1258,7 +1258,7 @@
           <a:bodyPr/>
           <a:lstStyle/>
           <a:p>
-            <a:fld id="{C33D2482-74DD-444F-AC64-5E643AD38453}" type="datetimeFigureOut">
+            <a:fld id="{5EA97264-012E-4983-AFD1-77D120DF0ADA}" type="datetimeFigureOut">
               <a:rPr lang="en-US" smtClean="0"/>
               <a:t>11/7/2009</a:t>
             </a:fld>
@@ -1268,7 +1268,7 @@
       </p:sp>
       <p:sp>
         <p:nvSpPr>
-          <p:cNvPr id="5" name="Footer Placeholder 4"/>
+          <p:cNvPr id="5" name="Footer Placeholder 4" title=""/>
           <p:cNvSpPr>
             <a:spLocks noGrp="1"/>
           </p:cNvSpPr>
@@ -1287,7 +1287,7 @@
       </p:sp>
       <p:sp>
         <p:nvSpPr>
-          <p:cNvPr id="6" name="Slide Number Placeholder 5"/>
+          <p:cNvPr id="6" name="Slide Number Placeholder 5" title=""/>
           <p:cNvSpPr>
             <a:spLocks noGrp="1"/>
           </p:cNvSpPr>
@@ -1319,11 +1319,11 @@
 </file>
 
 <file path=ppt/slideLayouts/slideLayout4.xml><?xml version="1.0" encoding="utf-8"?>
-<p:sldLayout xmlns:a="http://schemas.openxmlformats.org/drawingml/2006/main" xmlns:r="http://schemas.openxmlformats.org/officeDocument/2006/relationships" xmlns:p14="http://schemas.microsoft.com/office/powerpoint/2010/main" xmlns:a14="http://schemas.microsoft.com/office/drawing/2010/main" xmlns:p15="http://schemas.microsoft.com/office/powerpoint/2012/main" xmlns:p159="http://schemas.microsoft.com/office/powerpoint/2015/09/main" xmlns:p="http://schemas.openxmlformats.org/presentationml/2006/main" type="twoObj" preserve="1">
+<p:sldLayout xmlns:a="http://schemas.openxmlformats.org/drawingml/2006/main" xmlns:r="http://schemas.openxmlformats.org/officeDocument/2006/relationships" xmlns:m="http://schemas.openxmlformats.org/officeDocument/2006/math" xmlns:w="http://schemas.openxmlformats.org/wordprocessingml/2006/main" xmlns:wp="http://schemas.openxmlformats.org/drawingml/2006/wordprocessingDrawing" xmlns:a14="http://schemas.microsoft.com/office/drawing/2010/main" xmlns:mc="http://schemas.openxmlformats.org/markup-compatibility/2006" xmlns:p14="http://schemas.microsoft.com/office/powerpoint/2010/main" xmlns:p15="http://schemas.microsoft.com/office/powerpoint/2012/main" xmlns:p159="http://schemas.microsoft.com/office/powerpoint/2015/09/main" xmlns:p="http://schemas.openxmlformats.org/presentationml/2006/main" type="twoObj" preserve="1">
   <p:cSld name="Two Content">
     <p:spTree>
       <p:nvGrpSpPr>
-        <p:cNvPr id="1" name=""/>
+        <p:cNvPr id="1" name="" title=""/>
         <p:cNvGrpSpPr/>
         <p:nvPr/>
       </p:nvGrpSpPr>
@@ -1335,7 +1335,7 @@
       </p:grpSpPr>
       <p:sp>
         <p:nvSpPr>
-          <p:cNvPr id="2" name="Title 1"/>
+          <p:cNvPr id="2" name="Title 1" title=""/>
           <p:cNvSpPr>
             <a:spLocks noGrp="1"/>
           </p:cNvSpPr>
@@ -1358,7 +1358,7 @@
       </p:sp>
       <p:sp>
         <p:nvSpPr>
-          <p:cNvPr id="3" name="Content Placeholder 2"/>
+          <p:cNvPr id="3" name="Content Placeholder 2" title=""/>
           <p:cNvSpPr>
             <a:spLocks noGrp="1"/>
           </p:cNvSpPr>
@@ -1437,7 +1437,7 @@
       </p:sp>
       <p:sp>
         <p:nvSpPr>
-          <p:cNvPr id="4" name="Content Placeholder 3"/>
+          <p:cNvPr id="4" name="Content Placeholder 3" title=""/>
           <p:cNvSpPr>
             <a:spLocks noGrp="1"/>
           </p:cNvSpPr>
@@ -1516,7 +1516,7 @@
       </p:sp>
       <p:sp>
         <p:nvSpPr>
-          <p:cNvPr id="5" name="Date Placeholder 4"/>
+          <p:cNvPr id="5" name="Date Placeholder 4" title=""/>
           <p:cNvSpPr>
             <a:spLocks noGrp="1"/>
           </p:cNvSpPr>
@@ -1529,7 +1529,7 @@
           <a:bodyPr/>
           <a:lstStyle/>
           <a:p>
-            <a:fld id="{91B1EA77-E5BF-4454-B9F7-84BD9BC8312D}" type="datetimeFigureOut">
+            <a:fld id="{5513B6F0-0040-4C34-8938-1F1A81941FF9}" type="datetimeFigureOut">
               <a:rPr lang="en-US" smtClean="0"/>
               <a:t>11/7/2009</a:t>
             </a:fld>
@@ -1539,7 +1539,7 @@
       </p:sp>
       <p:sp>
         <p:nvSpPr>
-          <p:cNvPr id="6" name="Footer Placeholder 5"/>
+          <p:cNvPr id="6" name="Footer Placeholder 5" title=""/>
           <p:cNvSpPr>
             <a:spLocks noGrp="1"/>
           </p:cNvSpPr>
@@ -1558,7 +1558,7 @@
       </p:sp>
       <p:sp>
         <p:nvSpPr>
-          <p:cNvPr id="7" name="Slide Number Placeholder 6"/>
+          <p:cNvPr id="7" name="Slide Number Placeholder 6" title=""/>
           <p:cNvSpPr>
             <a:spLocks noGrp="1"/>
           </p:cNvSpPr>
@@ -1590,11 +1590,11 @@
 </file>
 
 <file path=ppt/slideLayouts/slideLayout5.xml><?xml version="1.0" encoding="utf-8"?>
-<p:sldLayout xmlns:a="http://schemas.openxmlformats.org/drawingml/2006/main" xmlns:r="http://schemas.openxmlformats.org/officeDocument/2006/relationships" xmlns:p14="http://schemas.microsoft.com/office/powerpoint/2010/main" xmlns:a14="http://schemas.microsoft.com/office/drawing/2010/main" xmlns:p15="http://schemas.microsoft.com/office/powerpoint/2012/main" xmlns:p159="http://schemas.microsoft.com/office/powerpoint/2015/09/main" xmlns:p="http://schemas.openxmlformats.org/presentationml/2006/main" type="twoTxTwoObj" preserve="1">
+<p:sldLayout xmlns:a="http://schemas.openxmlformats.org/drawingml/2006/main" xmlns:r="http://schemas.openxmlformats.org/officeDocument/2006/relationships" xmlns:m="http://schemas.openxmlformats.org/officeDocument/2006/math" xmlns:w="http://schemas.openxmlformats.org/wordprocessingml/2006/main" xmlns:wp="http://schemas.openxmlformats.org/drawingml/2006/wordprocessingDrawing" xmlns:a14="http://schemas.microsoft.com/office/drawing/2010/main" xmlns:mc="http://schemas.openxmlformats.org/markup-compatibility/2006" xmlns:p14="http://schemas.microsoft.com/office/powerpoint/2010/main" xmlns:p15="http://schemas.microsoft.com/office/powerpoint/2012/main" xmlns:p159="http://schemas.microsoft.com/office/powerpoint/2015/09/main" xmlns:p="http://schemas.openxmlformats.org/presentationml/2006/main" type="twoTxTwoObj" preserve="1">
   <p:cSld name="Comparison">
     <p:spTree>
       <p:nvGrpSpPr>
-        <p:cNvPr id="1" name=""/>
+        <p:cNvPr id="1" name="" title=""/>
         <p:cNvGrpSpPr/>
         <p:nvPr/>
       </p:nvGrpSpPr>
@@ -1606,7 +1606,7 @@
       </p:grpSpPr>
       <p:sp>
         <p:nvSpPr>
-          <p:cNvPr id="2" name="Title 1"/>
+          <p:cNvPr id="2" name="Title 1" title=""/>
           <p:cNvSpPr>
             <a:spLocks noGrp="1"/>
           </p:cNvSpPr>
@@ -1629,7 +1629,7 @@
       </p:sp>
       <p:sp>
         <p:nvSpPr>
-          <p:cNvPr id="3" name="Text Placeholder 2"/>
+          <p:cNvPr id="3" name="Text Placeholder 2" title=""/>
           <p:cNvSpPr>
             <a:spLocks noGrp="1"/>
           </p:cNvSpPr>
@@ -1688,7 +1688,7 @@
       </p:sp>
       <p:sp>
         <p:nvSpPr>
-          <p:cNvPr id="4" name="Content Placeholder 3"/>
+          <p:cNvPr id="4" name="Content Placeholder 3" title=""/>
           <p:cNvSpPr>
             <a:spLocks noGrp="1"/>
           </p:cNvSpPr>
@@ -1767,7 +1767,7 @@
       </p:sp>
       <p:sp>
         <p:nvSpPr>
-          <p:cNvPr id="5" name="Text Placeholder 4"/>
+          <p:cNvPr id="5" name="Text Placeholder 4" title=""/>
           <p:cNvSpPr>
             <a:spLocks noGrp="1"/>
           </p:cNvSpPr>
@@ -1826,7 +1826,7 @@
       </p:sp>
       <p:sp>
         <p:nvSpPr>
-          <p:cNvPr id="6" name="Content Placeholder 5"/>
+          <p:cNvPr id="6" name="Content Placeholder 5" title=""/>
           <p:cNvSpPr>
             <a:spLocks noGrp="1"/>
           </p:cNvSpPr>
@@ -1905,7 +1905,7 @@
       </p:sp>
       <p:sp>
         <p:nvSpPr>
-          <p:cNvPr id="7" name="Date Placeholder 6"/>
+          <p:cNvPr id="7" name="Date Placeholder 6" title=""/>
           <p:cNvSpPr>
             <a:spLocks noGrp="1"/>
           </p:cNvSpPr>
@@ -1918,7 +1918,7 @@
           <a:bodyPr/>
           <a:lstStyle/>
           <a:p>
-            <a:fld id="{79C3C068-9678-43C0-8CA8-668C480BFF34}" type="datetimeFigureOut">
+            <a:fld id="{D3FA1F43-71B5-439E-AC4D-FEAF71710D5A}" type="datetimeFigureOut">
               <a:rPr lang="en-US" smtClean="0"/>
               <a:t>11/7/2009</a:t>
             </a:fld>
@@ -1928,7 +1928,7 @@
       </p:sp>
       <p:sp>
         <p:nvSpPr>
-          <p:cNvPr id="8" name="Footer Placeholder 7"/>
+          <p:cNvPr id="8" name="Footer Placeholder 7" title=""/>
           <p:cNvSpPr>
             <a:spLocks noGrp="1"/>
           </p:cNvSpPr>
@@ -1947,7 +1947,7 @@
       </p:sp>
       <p:sp>
         <p:nvSpPr>
-          <p:cNvPr id="9" name="Slide Number Placeholder 8"/>
+          <p:cNvPr id="9" name="Slide Number Placeholder 8" title=""/>
           <p:cNvSpPr>
             <a:spLocks noGrp="1"/>
           </p:cNvSpPr>
@@ -1979,11 +1979,11 @@
 </file>
 
 <file path=ppt/slideLayouts/slideLayout6.xml><?xml version="1.0" encoding="utf-8"?>
-<p:sldLayout xmlns:a="http://schemas.openxmlformats.org/drawingml/2006/main" xmlns:r="http://schemas.openxmlformats.org/officeDocument/2006/relationships" xmlns:p14="http://schemas.microsoft.com/office/powerpoint/2010/main" xmlns:a14="http://schemas.microsoft.com/office/drawing/2010/main" xmlns:p15="http://schemas.microsoft.com/office/powerpoint/2012/main" xmlns:p159="http://schemas.microsoft.com/office/powerpoint/2015/09/main" xmlns:p="http://schemas.openxmlformats.org/presentationml/2006/main" type="titleOnly" preserve="1">
+<p:sldLayout xmlns:a="http://schemas.openxmlformats.org/drawingml/2006/main" xmlns:r="http://schemas.openxmlformats.org/officeDocument/2006/relationships" xmlns:m="http://schemas.openxmlformats.org/officeDocument/2006/math" xmlns:w="http://schemas.openxmlformats.org/wordprocessingml/2006/main" xmlns:wp="http://schemas.openxmlformats.org/drawingml/2006/wordprocessingDrawing" xmlns:a14="http://schemas.microsoft.com/office/drawing/2010/main" xmlns:mc="http://schemas.openxmlformats.org/markup-compatibility/2006" xmlns:p14="http://schemas.microsoft.com/office/powerpoint/2010/main" xmlns:p15="http://schemas.microsoft.com/office/powerpoint/2012/main" xmlns:p159="http://schemas.microsoft.com/office/powerpoint/2015/09/main" xmlns:p="http://schemas.openxmlformats.org/presentationml/2006/main" type="titleOnly" preserve="1">
   <p:cSld name="Title Only">
     <p:spTree>
       <p:nvGrpSpPr>
-        <p:cNvPr id="1" name=""/>
+        <p:cNvPr id="1" name="" title=""/>
         <p:cNvGrpSpPr/>
         <p:nvPr/>
       </p:nvGrpSpPr>
@@ -1995,7 +1995,7 @@
       </p:grpSpPr>
       <p:sp>
         <p:nvSpPr>
-          <p:cNvPr id="2" name="Title 1"/>
+          <p:cNvPr id="2" name="Title 1" title=""/>
           <p:cNvSpPr>
             <a:spLocks noGrp="1"/>
           </p:cNvSpPr>
@@ -2018,7 +2018,7 @@
       </p:sp>
       <p:sp>
         <p:nvSpPr>
-          <p:cNvPr id="3" name="Date Placeholder 2"/>
+          <p:cNvPr id="3" name="Date Placeholder 2" title=""/>
           <p:cNvSpPr>
             <a:spLocks noGrp="1"/>
           </p:cNvSpPr>
@@ -2031,7 +2031,7 @@
           <a:bodyPr/>
           <a:lstStyle/>
           <a:p>
-            <a:fld id="{B5664226-6D60-41D9-B2CA-8BD870A7DD68}" type="datetimeFigureOut">
+            <a:fld id="{C6635464-10D6-4FFC-A63C-B4E7DAA92224}" type="datetimeFigureOut">
               <a:rPr lang="en-US" smtClean="0"/>
               <a:t>11/7/2009</a:t>
             </a:fld>
@@ -2041,7 +2041,7 @@
       </p:sp>
       <p:sp>
         <p:nvSpPr>
-          <p:cNvPr id="4" name="Footer Placeholder 3"/>
+          <p:cNvPr id="4" name="Footer Placeholder 3" title=""/>
           <p:cNvSpPr>
             <a:spLocks noGrp="1"/>
           </p:cNvSpPr>
@@ -2060,7 +2060,7 @@
       </p:sp>
       <p:sp>
         <p:nvSpPr>
-          <p:cNvPr id="5" name="Slide Number Placeholder 4"/>
+          <p:cNvPr id="5" name="Slide Number Placeholder 4" title=""/>
           <p:cNvSpPr>
             <a:spLocks noGrp="1"/>
           </p:cNvSpPr>
@@ -2092,11 +2092,11 @@
 </file>
 
 <file path=ppt/slideLayouts/slideLayout7.xml><?xml version="1.0" encoding="utf-8"?>
-<p:sldLayout xmlns:a="http://schemas.openxmlformats.org/drawingml/2006/main" xmlns:r="http://schemas.openxmlformats.org/officeDocument/2006/relationships" xmlns:p14="http://schemas.microsoft.com/office/powerpoint/2010/main" xmlns:a14="http://schemas.microsoft.com/office/drawing/2010/main" xmlns:p15="http://schemas.microsoft.com/office/powerpoint/2012/main" xmlns:p159="http://schemas.microsoft.com/office/powerpoint/2015/09/main" xmlns:p="http://schemas.openxmlformats.org/presentationml/2006/main" type="blank" preserve="1">
+<p:sldLayout xmlns:a="http://schemas.openxmlformats.org/drawingml/2006/main" xmlns:r="http://schemas.openxmlformats.org/officeDocument/2006/relationships" xmlns:m="http://schemas.openxmlformats.org/officeDocument/2006/math" xmlns:w="http://schemas.openxmlformats.org/wordprocessingml/2006/main" xmlns:wp="http://schemas.openxmlformats.org/drawingml/2006/wordprocessingDrawing" xmlns:a14="http://schemas.microsoft.com/office/drawing/2010/main" xmlns:mc="http://schemas.openxmlformats.org/markup-compatibility/2006" xmlns:p14="http://schemas.microsoft.com/office/powerpoint/2010/main" xmlns:p15="http://schemas.microsoft.com/office/powerpoint/2012/main" xmlns:p159="http://schemas.microsoft.com/office/powerpoint/2015/09/main" xmlns:p="http://schemas.openxmlformats.org/presentationml/2006/main" type="blank" preserve="1">
   <p:cSld name="Blank">
     <p:spTree>
       <p:nvGrpSpPr>
-        <p:cNvPr id="1" name=""/>
+        <p:cNvPr id="1" name="" title=""/>
         <p:cNvGrpSpPr/>
         <p:nvPr/>
       </p:nvGrpSpPr>
@@ -2108,7 +2108,7 @@
       </p:grpSpPr>
       <p:sp>
         <p:nvSpPr>
-          <p:cNvPr id="2" name="Date Placeholder 1"/>
+          <p:cNvPr id="2" name="Date Placeholder 1" title=""/>
           <p:cNvSpPr>
             <a:spLocks noGrp="1"/>
           </p:cNvSpPr>
@@ -2121,7 +2121,7 @@
           <a:bodyPr/>
           <a:lstStyle/>
           <a:p>
-            <a:fld id="{8AAA94AD-5426-431B-A2F5-DCC41D79A861}" type="datetimeFigureOut">
+            <a:fld id="{2B838F19-C153-42A8-AA46-BC1E7F2C2631}" type="datetimeFigureOut">
               <a:rPr lang="en-US" smtClean="0"/>
               <a:t>11/7/2009</a:t>
             </a:fld>
@@ -2131,7 +2131,7 @@
       </p:sp>
       <p:sp>
         <p:nvSpPr>
-          <p:cNvPr id="3" name="Footer Placeholder 2"/>
+          <p:cNvPr id="3" name="Footer Placeholder 2" title=""/>
           <p:cNvSpPr>
             <a:spLocks noGrp="1"/>
           </p:cNvSpPr>
@@ -2150,7 +2150,7 @@
       </p:sp>
       <p:sp>
         <p:nvSpPr>
-          <p:cNvPr id="4" name="Slide Number Placeholder 3"/>
+          <p:cNvPr id="4" name="Slide Number Placeholder 3" title=""/>
           <p:cNvSpPr>
             <a:spLocks noGrp="1"/>
           </p:cNvSpPr>
@@ -2182,11 +2182,11 @@
 </file>
 
 <file path=ppt/slideLayouts/slideLayout8.xml><?xml version="1.0" encoding="utf-8"?>
-<p:sldLayout xmlns:a="http://schemas.openxmlformats.org/drawingml/2006/main" xmlns:r="http://schemas.openxmlformats.org/officeDocument/2006/relationships" xmlns:p14="http://schemas.microsoft.com/office/powerpoint/2010/main" xmlns:a14="http://schemas.microsoft.com/office/drawing/2010/main" xmlns:p15="http://schemas.microsoft.com/office/powerpoint/2012/main" xmlns:p159="http://schemas.microsoft.com/office/powerpoint/2015/09/main" xmlns:p="http://schemas.openxmlformats.org/presentationml/2006/main" type="objTx" preserve="1">
+<p:sldLayout xmlns:a="http://schemas.openxmlformats.org/drawingml/2006/main" xmlns:r="http://schemas.openxmlformats.org/officeDocument/2006/relationships" xmlns:m="http://schemas.openxmlformats.org/officeDocument/2006/math" xmlns:w="http://schemas.openxmlformats.org/wordprocessingml/2006/main" xmlns:wp="http://schemas.openxmlformats.org/drawingml/2006/wordprocessingDrawing" xmlns:a14="http://schemas.microsoft.com/office/drawing/2010/main" xmlns:mc="http://schemas.openxmlformats.org/markup-compatibility/2006" xmlns:p14="http://schemas.microsoft.com/office/powerpoint/2010/main" xmlns:p15="http://schemas.microsoft.com/office/powerpoint/2012/main" xmlns:p159="http://schemas.microsoft.com/office/powerpoint/2015/09/main" xmlns:p="http://schemas.openxmlformats.org/presentationml/2006/main" type="objTx" preserve="1">
   <p:cSld name="Content with Caption">
     <p:spTree>
       <p:nvGrpSpPr>
-        <p:cNvPr id="1" name=""/>
+        <p:cNvPr id="1" name="" title=""/>
         <p:cNvGrpSpPr/>
         <p:nvPr/>
       </p:nvGrpSpPr>
@@ -2198,7 +2198,7 @@
       </p:grpSpPr>
       <p:sp>
         <p:nvSpPr>
-          <p:cNvPr id="2" name="Title 1"/>
+          <p:cNvPr id="2" name="Title 1" title=""/>
           <p:cNvSpPr>
             <a:spLocks noGrp="1"/>
           </p:cNvSpPr>
@@ -2225,7 +2225,7 @@
       </p:sp>
       <p:sp>
         <p:nvSpPr>
-          <p:cNvPr id="3" name="Content Placeholder 2"/>
+          <p:cNvPr id="3" name="Content Placeholder 2" title=""/>
           <p:cNvSpPr>
             <a:spLocks noGrp="1"/>
           </p:cNvSpPr>
@@ -2304,7 +2304,7 @@
       </p:sp>
       <p:sp>
         <p:nvSpPr>
-          <p:cNvPr id="4" name="Text Placeholder 3"/>
+          <p:cNvPr id="4" name="Text Placeholder 3" title=""/>
           <p:cNvSpPr>
             <a:spLocks noGrp="1"/>
           </p:cNvSpPr>
@@ -2363,7 +2363,7 @@
       </p:sp>
       <p:sp>
         <p:nvSpPr>
-          <p:cNvPr id="5" name="Date Placeholder 4"/>
+          <p:cNvPr id="5" name="Date Placeholder 4" title=""/>
           <p:cNvSpPr>
             <a:spLocks noGrp="1"/>
           </p:cNvSpPr>
@@ -2376,7 +2376,7 @@
           <a:bodyPr/>
           <a:lstStyle/>
           <a:p>
-            <a:fld id="{C042EC96-9EB8-4560-BB19-D6DB9CCBF9C4}" type="datetimeFigureOut">
+            <a:fld id="{DFF73064-A849-458F-AD77-77322D25D418}" type="datetimeFigureOut">
               <a:rPr lang="en-US" smtClean="0"/>
               <a:t>11/7/2009</a:t>
             </a:fld>
@@ -2386,7 +2386,7 @@
       </p:sp>
       <p:sp>
         <p:nvSpPr>
-          <p:cNvPr id="6" name="Footer Placeholder 5"/>
+          <p:cNvPr id="6" name="Footer Placeholder 5" title=""/>
           <p:cNvSpPr>
             <a:spLocks noGrp="1"/>
           </p:cNvSpPr>
@@ -2405,7 +2405,7 @@
       </p:sp>
       <p:sp>
         <p:nvSpPr>
-          <p:cNvPr id="7" name="Slide Number Placeholder 6"/>
+          <p:cNvPr id="7" name="Slide Number Placeholder 6" title=""/>
           <p:cNvSpPr>
             <a:spLocks noGrp="1"/>
           </p:cNvSpPr>
@@ -2437,11 +2437,11 @@
 </file>
 
 <file path=ppt/slideLayouts/slideLayout9.xml><?xml version="1.0" encoding="utf-8"?>
-<p:sldLayout xmlns:a="http://schemas.openxmlformats.org/drawingml/2006/main" xmlns:r="http://schemas.openxmlformats.org/officeDocument/2006/relationships" xmlns:p14="http://schemas.microsoft.com/office/powerpoint/2010/main" xmlns:a14="http://schemas.microsoft.com/office/drawing/2010/main" xmlns:p15="http://schemas.microsoft.com/office/powerpoint/2012/main" xmlns:p159="http://schemas.microsoft.com/office/powerpoint/2015/09/main" xmlns:p="http://schemas.openxmlformats.org/presentationml/2006/main" type="picTx" preserve="1">
+<p:sldLayout xmlns:a="http://schemas.openxmlformats.org/drawingml/2006/main" xmlns:r="http://schemas.openxmlformats.org/officeDocument/2006/relationships" xmlns:m="http://schemas.openxmlformats.org/officeDocument/2006/math" xmlns:w="http://schemas.openxmlformats.org/wordprocessingml/2006/main" xmlns:wp="http://schemas.openxmlformats.org/drawingml/2006/wordprocessingDrawing" xmlns:a14="http://schemas.microsoft.com/office/drawing/2010/main" xmlns:mc="http://schemas.openxmlformats.org/markup-compatibility/2006" xmlns:p14="http://schemas.microsoft.com/office/powerpoint/2010/main" xmlns:p15="http://schemas.microsoft.com/office/powerpoint/2012/main" xmlns:p159="http://schemas.microsoft.com/office/powerpoint/2015/09/main" xmlns:p="http://schemas.openxmlformats.org/presentationml/2006/main" type="picTx" preserve="1">
   <p:cSld name="Picture with Caption">
     <p:spTree>
       <p:nvGrpSpPr>
-        <p:cNvPr id="1" name=""/>
+        <p:cNvPr id="1" name="" title=""/>
         <p:cNvGrpSpPr/>
         <p:nvPr/>
       </p:nvGrpSpPr>
@@ -2453,7 +2453,7 @@
       </p:grpSpPr>
       <p:sp>
         <p:nvSpPr>
-          <p:cNvPr id="2" name="Title 1"/>
+          <p:cNvPr id="2" name="Title 1" title=""/>
           <p:cNvSpPr>
             <a:spLocks noGrp="1"/>
           </p:cNvSpPr>
@@ -2480,7 +2480,7 @@
       </p:sp>
       <p:sp>
         <p:nvSpPr>
-          <p:cNvPr id="3" name="Picture Placeholder 2"/>
+          <p:cNvPr id="3" name="Picture Placeholder 2" title=""/>
           <p:cNvSpPr>
             <a:spLocks noGrp="1"/>
           </p:cNvSpPr>
@@ -2536,7 +2536,7 @@
       </p:sp>
       <p:sp>
         <p:nvSpPr>
-          <p:cNvPr id="4" name="Text Placeholder 3"/>
+          <p:cNvPr id="4" name="Text Placeholder 3" title=""/>
           <p:cNvSpPr>
             <a:spLocks noGrp="1"/>
           </p:cNvSpPr>
@@ -2595,7 +2595,7 @@
       </p:sp>
       <p:sp>
         <p:nvSpPr>
-          <p:cNvPr id="5" name="Date Placeholder 4"/>
+          <p:cNvPr id="5" name="Date Placeholder 4" title=""/>
           <p:cNvSpPr>
             <a:spLocks noGrp="1"/>
           </p:cNvSpPr>
@@ -2608,7 +2608,7 @@
           <a:bodyPr/>
           <a:lstStyle/>
           <a:p>
-            <a:fld id="{3870838C-9351-46F1-A858-F1C8A393EBED}" type="datetimeFigureOut">
+            <a:fld id="{E14AC6C8-21A8-4A9B-B6D9-D5D0BD69FC61}" type="datetimeFigureOut">
               <a:rPr lang="en-US" smtClean="0"/>
               <a:t>11/7/2009</a:t>
             </a:fld>
@@ -2618,7 +2618,7 @@
       </p:sp>
       <p:sp>
         <p:nvSpPr>
-          <p:cNvPr id="6" name="Footer Placeholder 5"/>
+          <p:cNvPr id="6" name="Footer Placeholder 5" title=""/>
           <p:cNvSpPr>
             <a:spLocks noGrp="1"/>
           </p:cNvSpPr>
@@ -2637,7 +2637,7 @@
       </p:sp>
       <p:sp>
         <p:nvSpPr>
-          <p:cNvPr id="7" name="Slide Number Placeholder 6"/>
+          <p:cNvPr id="7" name="Slide Number Placeholder 6" title=""/>
           <p:cNvSpPr>
             <a:spLocks noGrp="1"/>
           </p:cNvSpPr>
@@ -2669,7 +2669,7 @@
 </file>
 
 <file path=ppt/slideMasters/slideMaster1.xml><?xml version="1.0" encoding="utf-8"?>
-<p:sldMaster xmlns:a="http://schemas.openxmlformats.org/drawingml/2006/main" xmlns:r="http://schemas.openxmlformats.org/officeDocument/2006/relationships" xmlns:p14="http://schemas.microsoft.com/office/powerpoint/2010/main" xmlns:a14="http://schemas.microsoft.com/office/drawing/2010/main" xmlns:p15="http://schemas.microsoft.com/office/powerpoint/2012/main" xmlns:p159="http://schemas.microsoft.com/office/powerpoint/2015/09/main" xmlns:p="http://schemas.openxmlformats.org/presentationml/2006/main">
+<p:sldMaster xmlns:a="http://schemas.openxmlformats.org/drawingml/2006/main" xmlns:r="http://schemas.openxmlformats.org/officeDocument/2006/relationships" xmlns:m="http://schemas.openxmlformats.org/officeDocument/2006/math" xmlns:w="http://schemas.openxmlformats.org/wordprocessingml/2006/main" xmlns:wp="http://schemas.openxmlformats.org/drawingml/2006/wordprocessingDrawing" xmlns:a14="http://schemas.microsoft.com/office/drawing/2010/main" xmlns:mc="http://schemas.openxmlformats.org/markup-compatibility/2006" xmlns:p14="http://schemas.microsoft.com/office/powerpoint/2010/main" xmlns:p15="http://schemas.microsoft.com/office/powerpoint/2012/main" xmlns:p159="http://schemas.microsoft.com/office/powerpoint/2015/09/main" xmlns:p="http://schemas.openxmlformats.org/presentationml/2006/main">
   <p:cSld>
     <p:bg>
       <p:bgRef idx="1001">
@@ -2678,7 +2678,7 @@
     </p:bg>
     <p:spTree>
       <p:nvGrpSpPr>
-        <p:cNvPr id="1" name=""/>
+        <p:cNvPr id="1" name="" title=""/>
         <p:cNvGrpSpPr/>
         <p:nvPr/>
       </p:nvGrpSpPr>
@@ -2690,7 +2690,7 @@
       </p:grpSpPr>
       <p:sp>
         <p:nvSpPr>
-          <p:cNvPr id="2" name="Title Placeholder 1"/>
+          <p:cNvPr id="2" name="Title Placeholder 1" title=""/>
           <p:cNvSpPr>
             <a:spLocks noGrp="1"/>
           </p:cNvSpPr>
@@ -2723,7 +2723,7 @@
       </p:sp>
       <p:sp>
         <p:nvSpPr>
-          <p:cNvPr id="3" name="Text Placeholder 2"/>
+          <p:cNvPr id="3" name="Text Placeholder 2" title=""/>
           <p:cNvSpPr>
             <a:spLocks noGrp="1"/>
           </p:cNvSpPr>
@@ -2784,7 +2784,7 @@
       </p:sp>
       <p:sp>
         <p:nvSpPr>
-          <p:cNvPr id="4" name="Date Placeholder 3"/>
+          <p:cNvPr id="4" name="Date Placeholder 3" title=""/>
           <p:cNvSpPr>
             <a:spLocks noGrp="1"/>
           </p:cNvSpPr>
@@ -2825,7 +2825,7 @@
       </p:sp>
       <p:sp>
         <p:nvSpPr>
-          <p:cNvPr id="5" name="Footer Placeholder 4"/>
+          <p:cNvPr id="5" name="Footer Placeholder 4" title=""/>
           <p:cNvSpPr>
             <a:spLocks noGrp="1"/>
           </p:cNvSpPr>
@@ -2862,7 +2862,7 @@
       </p:sp>
       <p:sp>
         <p:nvSpPr>
-          <p:cNvPr id="6" name="Slide Number Placeholder 5"/>
+          <p:cNvPr id="6" name="Slide Number Placeholder 5" title=""/>
           <p:cNvSpPr>
             <a:spLocks noGrp="1"/>
           </p:cNvSpPr>
@@ -3173,11 +3173,11 @@
 </file>
 
 <file path=ppt/slides/slide1.xml><?xml version="1.0" encoding="utf-8"?>
-<p:sld xmlns:a="http://schemas.openxmlformats.org/drawingml/2006/main" xmlns:r="http://schemas.openxmlformats.org/officeDocument/2006/relationships" xmlns:p14="http://schemas.microsoft.com/office/powerpoint/2010/main" xmlns:a14="http://schemas.microsoft.com/office/drawing/2010/main" xmlns:p15="http://schemas.microsoft.com/office/powerpoint/2012/main" xmlns:p159="http://schemas.microsoft.com/office/powerpoint/2015/09/main" xmlns:p="http://schemas.openxmlformats.org/presentationml/2006/main">
+<p:sld xmlns:a="http://schemas.openxmlformats.org/drawingml/2006/main" xmlns:r="http://schemas.openxmlformats.org/officeDocument/2006/relationships" xmlns:m="http://schemas.openxmlformats.org/officeDocument/2006/math" xmlns:w="http://schemas.openxmlformats.org/wordprocessingml/2006/main" xmlns:wp="http://schemas.openxmlformats.org/drawingml/2006/wordprocessingDrawing" xmlns:a14="http://schemas.microsoft.com/office/drawing/2010/main" xmlns:mc="http://schemas.openxmlformats.org/markup-compatibility/2006" xmlns:p14="http://schemas.microsoft.com/office/powerpoint/2010/main" xmlns:p15="http://schemas.microsoft.com/office/powerpoint/2012/main" xmlns:p159="http://schemas.microsoft.com/office/powerpoint/2015/09/main" xmlns:p="http://schemas.openxmlformats.org/presentationml/2006/main">
   <p:cSld name="">
     <p:spTree>
       <p:nvGrpSpPr>
-        <p:cNvPr id="1" name=""/>
+        <p:cNvPr id="1" name="" title=""/>
         <p:cNvGrpSpPr/>
         <p:nvPr/>
       </p:nvGrpSpPr>
@@ -3189,7 +3189,7 @@
       </p:grpSpPr>
       <p:graphicFrame>
         <p:nvGraphicFramePr>
-          <p:cNvPr id="2" name="ChartObject"/>
+          <p:cNvPr id="2" name="ChartObject" title=""/>
           <p:cNvGraphicFramePr/>
           <p:nvPr/>
         </p:nvGraphicFramePr>
@@ -3203,6 +3203,77 @@
           </a:graphicData>
         </a:graphic>
       </p:graphicFrame>
+      <p:sp>
+        <p:nvSpPr>
+          <p:cNvPr id="3" name="TextBox"/>
+          <p:cNvSpPr txBox="1">
+            <a:spLocks noGrp="1" noSelect="1" noRot="1" noMove="1"/>
+          </p:cNvSpPr>
+          <p:nvPr/>
+        </p:nvSpPr>
+        <p:spPr>
+          <a:xfrm>
+            <a:off x="1366520" y="2644140"/>
+            <a:ext cx="6411372" cy="1569660"/>
+          </a:xfrm>
+          <a:prstGeom prst="rect">
+            <a:avLst/>
+          </a:prstGeom>
+          <a:noFill/>
+        </p:spPr>
+        <p:txBody>
+          <a:bodyPr wrap="none" rtlCol="0" anchor="ctr" anchorCtr="1">
+            <a:spAutoFit/>
+          </a:bodyPr>
+          <a:lstStyle>
+            <a:lvl1pPr algn="l">
+              <a:lnSpc>
+                <a:spcPct val="150000"/>
+              </a:lnSpc>
+              <a:spcBef>
+                <a:spcPct val="0"/>
+              </a:spcBef>
+              <a:spcAft>
+                <a:spcPct val="0"/>
+              </a:spcAft>
+              <a:defRPr lang="en-US" sz="3200" b="1" noProof="1" dirty="0">
+                <a:solidFill>
+                  <a:prstClr val="red">
+                    <a:lumOff val="30000"/>
+                    <a:alpha val="40000"/>
+                  </a:prstClr>
+                </a:solidFill>
+                <a:effectLst>
+                  <a:outerShdw blurRad="50800" dist="38100" algn="tr" rotWithShape="0">
+                    <a:prstClr val="black">
+                      <a:alpha val="80000"/>
+                    </a:prstClr>
+                  </a:outerShdw>
+                </a:effectLst>
+                <a:latin typeface="Calibri" pitchFamily="34" charset="0"/>
+              </a:defRPr>
+            </a:lvl1pPr>
+          </a:lstStyle>
+          <a:p>
+            <a:pPr algn="ctr"/>
+            <a:r>
+              <a:t>Evaluation only.</a:t>
+            </a:r>
+          </a:p>
+          <a:p>
+            <a:pPr algn="ctr"/>
+            <a:r>
+              <a:t>Created with Aspose.Slides for .NET 4.0 Client Profile 21.12.</a:t>
+            </a:r>
+          </a:p>
+          <a:p>
+            <a:pPr algn="ctr"/>
+            <a:r>
+              <a:t>Copyright 2004-2021Aspose Pty Ltd.</a:t>
+            </a:r>
+          </a:p>
+        </p:txBody>
+      </p:sp>
     </p:spTree>
   </p:cSld>
   <p:clrMapOvr>
@@ -3216,10 +3287,10 @@
 <file path=ppt/tags/tag1.xml><?xml version="1.0" encoding="utf-8"?>
 <p:tagLst xmlns:p="http://schemas.openxmlformats.org/presentationml/2006/main">
   <p:tag name="AS_NET" val="4.0.30319.42000"/>
-  <p:tag name="AS_OS" val="Microsoft Windows NT 6.2.9200.0"/>
-  <p:tag name="AS_RELEASE_DATE" val="2019.06.14"/>
+  <p:tag name="AS_OS" val="Microsoft Windows NT 6.3.9600.0"/>
+  <p:tag name="AS_RELEASE_DATE" val="2021.12.14"/>
   <p:tag name="AS_TITLE" val="Aspose.Slides for .NET 4.0 Client Profile"/>
-  <p:tag name="AS_VERSION" val="19.6"/>
+  <p:tag name="AS_VERSION" val="21.12"/>
 </p:tagLst>
 </file>
 
